--- a/Edulis trossulus galloprovincialis in Goseid/R_calc_geomorph/Figures/Блок иллюстарций морфология.pptx
+++ b/Edulis trossulus galloprovincialis in Goseid/R_calc_geomorph/Figures/Блок иллюстарций морфология.pptx
@@ -3022,7 +3022,7 @@
         </p:nvCxnSpPr>
         <p:spPr>
           <a:xfrm flipV="1">
-            <a:off x="5055235" y="310515"/>
+            <a:off x="5055870" y="630555"/>
             <a:ext cx="11430" cy="2042795"/>
           </a:xfrm>
           <a:prstGeom prst="straightConnector1">
@@ -3058,7 +3058,7 @@
         </p:nvCxnSpPr>
         <p:spPr>
           <a:xfrm flipV="1">
-            <a:off x="3791585" y="1332230"/>
+            <a:off x="3792220" y="1652270"/>
             <a:ext cx="2710815" cy="1270"/>
           </a:xfrm>
           <a:prstGeom prst="straightConnector1">
@@ -3094,7 +3094,7 @@
         </p:nvGrpSpPr>
         <p:grpSpPr>
           <a:xfrm>
-            <a:off x="292735" y="266700"/>
+            <a:off x="293370" y="586740"/>
             <a:ext cx="6215323" cy="2630718"/>
             <a:chOff x="178" y="0"/>
             <a:chExt cx="10760" cy="4803"/>
@@ -3404,7 +3404,7 @@
         </p:nvGrpSpPr>
         <p:grpSpPr>
           <a:xfrm>
-            <a:off x="224155" y="2816225"/>
+            <a:off x="224790" y="3136265"/>
             <a:ext cx="6408420" cy="4239260"/>
             <a:chOff x="247" y="4907"/>
             <a:chExt cx="10092" cy="6676"/>
@@ -3518,19 +3518,39 @@
           <a:p>
             <a:r>
               <a:rPr lang="ru-RU" altLang="en-US" sz="1200"/>
-              <a:t>Рисунок 2. Вариация формы раковины мидий. а. Ординация мидий в морфопространстве первых двух главных компонент. Мидии из зоны контакта в Гасейде показаны серыми треугольниками. Пунктирные линни отсекают границы квартилей каждой из компонент. </a:t>
+              <a:t>Рисунок 2. Вариация формы раковины мидий. </a:t>
+            </a:r>
+            <a:r>
+              <a:rPr lang="en-US" altLang="ru-RU" sz="1200"/>
+              <a:t>A</a:t>
+            </a:r>
+            <a:r>
+              <a:rPr lang="ru-RU" altLang="en-US" sz="1200"/>
+              <a:t>. Ординация мидий в морфопространстве первых двух главных компонент. Мидии из зоны контакта в Гасейде показаны серыми треугольниками. Пунктирные линни отсекают границы квартилей каждой из компонент. </a:t>
             </a:r>
             <a:r>
               <a:rPr lang="en-US" altLang="en-US" sz="1200"/>
-              <a:t>b. </a:t>
+              <a:t>B. </a:t>
             </a:r>
             <a:r>
               <a:rPr lang="ru-RU" altLang="en-US" sz="1200"/>
-              <a:t>Консенснусная форма раковины мидии (центральный рисунок) и формы, соответствующие минимальным и максимальным значениям двух главных компонент. с. Значения первой компоненты у моллюсков из референсных выборок. </a:t>
+              <a:t>Консенснусная форма раковины мидии (центральный рисунок) и формы, соответствующие минимальным и максимальным значениям двух главных компонент. </a:t>
+            </a:r>
+            <a:r>
+              <a:rPr lang="en-US" altLang="ru-RU" sz="1200"/>
+              <a:t>C</a:t>
+            </a:r>
+            <a:r>
+              <a:rPr lang="ru-RU" altLang="en-US" sz="1200"/>
+              <a:t>. Значения первой компоненты у моллюсков из референсных выборок. </a:t>
             </a:r>
             <a:r>
               <a:rPr lang="en-US" altLang="en-US" sz="1200"/>
-              <a:t>d. Значения первой компоненты у моллюсков из </a:t>
+              <a:t>D</a:t>
+            </a:r>
+            <a:r>
+              <a:rPr lang="en-US" altLang="en-US" sz="1200"/>
+              <a:t>. Значения первой компоненты у моллюсков из </a:t>
             </a:r>
             <a:r>
               <a:rPr lang="ru-RU" altLang="en-US" sz="1200"/>
@@ -3546,7 +3566,7 @@
             </a:r>
             <a:r>
               <a:rPr lang="en-US" altLang="en-US" sz="1200"/>
-              <a:t>c</a:t>
+              <a:t>C</a:t>
             </a:r>
             <a:r>
               <a:rPr lang="ru-RU" altLang="en-US" sz="1200"/>
@@ -3554,7 +3574,7 @@
             </a:r>
             <a:r>
               <a:rPr lang="en-US" altLang="en-US" sz="1200"/>
-              <a:t> d</a:t>
+              <a:t> D</a:t>
             </a:r>
             <a:r>
               <a:rPr lang="ru-RU" altLang="en-US" sz="1200"/>
@@ -3569,6 +3589,122 @@
               <a:t> </a:t>
             </a:r>
             <a:endParaRPr lang="ru-RU" altLang="en-US" sz="1200"/>
+          </a:p>
+        </p:txBody>
+      </p:sp>
+      <p:sp>
+        <p:nvSpPr>
+          <p:cNvPr id="4" name="Текстовое поле 3"/>
+          <p:cNvSpPr txBox="1"/>
+          <p:nvPr/>
+        </p:nvSpPr>
+        <p:spPr>
+          <a:xfrm>
+            <a:off x="594995" y="630555"/>
+            <a:ext cx="937260" cy="368300"/>
+          </a:xfrm>
+          <a:prstGeom prst="rect">
+            <a:avLst/>
+          </a:prstGeom>
+          <a:noFill/>
+        </p:spPr>
+        <p:txBody>
+          <a:bodyPr wrap="square" rtlCol="0">
+            <a:spAutoFit/>
+          </a:bodyPr>
+          <a:p>
+            <a:r>
+              <a:rPr lang="en-US" altLang="ru-RU"/>
+              <a:t>A</a:t>
+            </a:r>
+            <a:endParaRPr lang="en-US" altLang="ru-RU"/>
+          </a:p>
+        </p:txBody>
+      </p:sp>
+      <p:sp>
+        <p:nvSpPr>
+          <p:cNvPr id="5" name="Текстовое поле 4"/>
+          <p:cNvSpPr txBox="1"/>
+          <p:nvPr/>
+        </p:nvSpPr>
+        <p:spPr>
+          <a:xfrm>
+            <a:off x="3743325" y="630555"/>
+            <a:ext cx="937260" cy="368300"/>
+          </a:xfrm>
+          <a:prstGeom prst="rect">
+            <a:avLst/>
+          </a:prstGeom>
+          <a:noFill/>
+        </p:spPr>
+        <p:txBody>
+          <a:bodyPr wrap="square" rtlCol="0">
+            <a:spAutoFit/>
+          </a:bodyPr>
+          <a:p>
+            <a:r>
+              <a:rPr lang="en-US" altLang="ru-RU"/>
+              <a:t>B</a:t>
+            </a:r>
+            <a:endParaRPr lang="en-US" altLang="ru-RU"/>
+          </a:p>
+        </p:txBody>
+      </p:sp>
+      <p:sp>
+        <p:nvSpPr>
+          <p:cNvPr id="2" name="Текстовое поле 1"/>
+          <p:cNvSpPr txBox="1"/>
+          <p:nvPr/>
+        </p:nvSpPr>
+        <p:spPr>
+          <a:xfrm>
+            <a:off x="711835" y="3446145"/>
+            <a:ext cx="937260" cy="368300"/>
+          </a:xfrm>
+          <a:prstGeom prst="rect">
+            <a:avLst/>
+          </a:prstGeom>
+          <a:noFill/>
+        </p:spPr>
+        <p:txBody>
+          <a:bodyPr wrap="square" rtlCol="0">
+            <a:spAutoFit/>
+          </a:bodyPr>
+          <a:p>
+            <a:r>
+              <a:rPr lang="en-US" altLang="ru-RU"/>
+              <a:t>C</a:t>
+            </a:r>
+            <a:endParaRPr lang="en-US" altLang="ru-RU"/>
+          </a:p>
+        </p:txBody>
+      </p:sp>
+      <p:sp>
+        <p:nvSpPr>
+          <p:cNvPr id="3" name="Текстовое поле 2"/>
+          <p:cNvSpPr txBox="1"/>
+          <p:nvPr/>
+        </p:nvSpPr>
+        <p:spPr>
+          <a:xfrm>
+            <a:off x="3860165" y="3446145"/>
+            <a:ext cx="937260" cy="368300"/>
+          </a:xfrm>
+          <a:prstGeom prst="rect">
+            <a:avLst/>
+          </a:prstGeom>
+          <a:noFill/>
+        </p:spPr>
+        <p:txBody>
+          <a:bodyPr wrap="square" rtlCol="0">
+            <a:spAutoFit/>
+          </a:bodyPr>
+          <a:p>
+            <a:r>
+              <a:rPr lang="en-US" altLang="ru-RU"/>
+              <a:t>D</a:t>
+            </a:r>
+            <a:endParaRPr lang="en-US" altLang="ru-RU"/>
           </a:p>
         </p:txBody>
       </p:sp>
@@ -3590,6 +3726,135 @@
         <p:nvPr/>
       </p:nvGrpSpPr>
       <p:grpSpPr/>
+      <p:pic>
+        <p:nvPicPr>
+          <p:cNvPr id="2" name="Замещающее содержимое 1"/>
+          <p:cNvPicPr>
+            <a:picLocks noChangeAspect="1"/>
+          </p:cNvPicPr>
+          <p:nvPr>
+            <p:ph idx="1"/>
+          </p:nvPr>
+        </p:nvPicPr>
+        <p:blipFill>
+          <a:blip r:embed="rId1"/>
+          <a:stretch>
+            <a:fillRect/>
+          </a:stretch>
+        </p:blipFill>
+        <p:spPr>
+          <a:xfrm>
+            <a:off x="377825" y="464185"/>
+            <a:ext cx="5915025" cy="3668395"/>
+          </a:xfrm>
+          <a:prstGeom prst="rect">
+            <a:avLst/>
+          </a:prstGeom>
+        </p:spPr>
+      </p:pic>
+      <p:sp>
+        <p:nvSpPr>
+          <p:cNvPr id="73" name="Текстовое поле 72"/>
+          <p:cNvSpPr txBox="1"/>
+          <p:nvPr/>
+        </p:nvSpPr>
+        <p:spPr>
+          <a:xfrm>
+            <a:off x="377825" y="4272280"/>
+            <a:ext cx="6111240" cy="829945"/>
+          </a:xfrm>
+          <a:prstGeom prst="rect">
+            <a:avLst/>
+          </a:prstGeom>
+          <a:noFill/>
+        </p:spPr>
+        <p:txBody>
+          <a:bodyPr wrap="square" rtlCol="0">
+            <a:spAutoFit/>
+          </a:bodyPr>
+          <a:p>
+            <a:r>
+              <a:rPr lang="ru-RU" altLang="en-US" sz="1200"/>
+              <a:t>Рисунок 3. Связь «классических» морфометрических признаков раковин мидий с вероятностью прсутствия в геноме аллелей </a:t>
+            </a:r>
+            <a:r>
+              <a:rPr lang="en-US" altLang="en-US" sz="1200"/>
+              <a:t>Ga. A. </a:t>
+            </a:r>
+            <a:r>
+              <a:rPr lang="ru-RU" altLang="en-US" sz="1200"/>
+              <a:t>Относительный размер замковой площадки. </a:t>
+            </a:r>
+            <a:r>
+              <a:rPr lang="en-US" altLang="en-US" sz="1200"/>
+              <a:t>B. </a:t>
+            </a:r>
+            <a:r>
+              <a:rPr lang="ru-RU" altLang="en-US" sz="1200"/>
+              <a:t>Относительная длина лигамента. Приведены значения коэффициента корреляции. </a:t>
+            </a:r>
+            <a:endParaRPr lang="ru-RU" altLang="en-US" sz="1200"/>
+          </a:p>
+        </p:txBody>
+      </p:sp>
+      <p:sp>
+        <p:nvSpPr>
+          <p:cNvPr id="4" name="Текстовое поле 3"/>
+          <p:cNvSpPr txBox="1"/>
+          <p:nvPr/>
+        </p:nvSpPr>
+        <p:spPr>
+          <a:xfrm>
+            <a:off x="708660" y="95885"/>
+            <a:ext cx="937260" cy="368300"/>
+          </a:xfrm>
+          <a:prstGeom prst="rect">
+            <a:avLst/>
+          </a:prstGeom>
+          <a:noFill/>
+        </p:spPr>
+        <p:txBody>
+          <a:bodyPr wrap="square" rtlCol="0">
+            <a:spAutoFit/>
+          </a:bodyPr>
+          <a:p>
+            <a:r>
+              <a:rPr lang="en-US" altLang="ru-RU"/>
+              <a:t>A</a:t>
+            </a:r>
+            <a:endParaRPr lang="en-US" altLang="ru-RU"/>
+          </a:p>
+        </p:txBody>
+      </p:sp>
+      <p:sp>
+        <p:nvSpPr>
+          <p:cNvPr id="5" name="Текстовое поле 4"/>
+          <p:cNvSpPr txBox="1"/>
+          <p:nvPr/>
+        </p:nvSpPr>
+        <p:spPr>
+          <a:xfrm>
+            <a:off x="3647440" y="95885"/>
+            <a:ext cx="937260" cy="368300"/>
+          </a:xfrm>
+          <a:prstGeom prst="rect">
+            <a:avLst/>
+          </a:prstGeom>
+          <a:noFill/>
+        </p:spPr>
+        <p:txBody>
+          <a:bodyPr wrap="square" rtlCol="0">
+            <a:spAutoFit/>
+          </a:bodyPr>
+          <a:p>
+            <a:r>
+              <a:rPr lang="en-US" altLang="ru-RU"/>
+              <a:t>B</a:t>
+            </a:r>
+            <a:endParaRPr lang="en-US" altLang="ru-RU"/>
+          </a:p>
+        </p:txBody>
+      </p:sp>
     </p:spTree>
   </p:cSld>
   <p:clrMapOvr>
